--- a/Seccion 1 Introducción al espacio multivariante/Diapositivas/1.2 Visualización en el espacio multivariante.pptx
+++ b/Seccion 1 Introducción al espacio multivariante/Diapositivas/1.2 Visualización en el espacio multivariante.pptx
@@ -6001,7 +6001,7 @@
           <a:r>
             <a:rPr lang="es-ES" sz="2000" b="1" dirty="0">
               <a:solidFill>
-                <a:schemeClr val="bg1"/>
+                <a:srgbClr val="FFFF00"/>
               </a:solidFill>
               <a:latin typeface="Calibri" panose="020F0502020204030204" pitchFamily="34" charset="0"/>
               <a:cs typeface="Calibri" panose="020F0502020204030204" pitchFamily="34" charset="0"/>
@@ -6010,7 +6010,7 @@
           </a:r>
           <a:endParaRPr lang="en-US" sz="2000" b="1" dirty="0">
             <a:solidFill>
-              <a:schemeClr val="bg1"/>
+              <a:srgbClr val="FFFF00"/>
             </a:solidFill>
             <a:latin typeface="Calibri" panose="020F0502020204030204" pitchFamily="34" charset="0"/>
             <a:cs typeface="Calibri" panose="020F0502020204030204" pitchFamily="34" charset="0"/>
@@ -6071,7 +6071,7 @@
           <a:r>
             <a:rPr lang="es-ES" sz="2000" b="1" dirty="0">
               <a:solidFill>
-                <a:schemeClr val="bg1"/>
+                <a:srgbClr val="FF0000"/>
               </a:solidFill>
               <a:latin typeface="Calibri" panose="020F0502020204030204" pitchFamily="34" charset="0"/>
               <a:cs typeface="Calibri" panose="020F0502020204030204" pitchFamily="34" charset="0"/>
@@ -8135,7 +8135,7 @@
           <a:r>
             <a:rPr lang="es-ES" sz="2000" b="1" kern="1200" dirty="0">
               <a:solidFill>
-                <a:schemeClr val="bg1"/>
+                <a:srgbClr val="FFFF00"/>
               </a:solidFill>
               <a:latin typeface="Calibri" panose="020F0502020204030204" pitchFamily="34" charset="0"/>
               <a:cs typeface="Calibri" panose="020F0502020204030204" pitchFamily="34" charset="0"/>
@@ -8144,7 +8144,7 @@
           </a:r>
           <a:endParaRPr lang="en-US" sz="2000" b="1" kern="1200" dirty="0">
             <a:solidFill>
-              <a:schemeClr val="bg1"/>
+              <a:srgbClr val="FFFF00"/>
             </a:solidFill>
             <a:latin typeface="Calibri" panose="020F0502020204030204" pitchFamily="34" charset="0"/>
             <a:cs typeface="Calibri" panose="020F0502020204030204" pitchFamily="34" charset="0"/>
@@ -8325,7 +8325,7 @@
           <a:r>
             <a:rPr lang="es-ES" sz="2000" b="1" kern="1200" dirty="0">
               <a:solidFill>
-                <a:schemeClr val="bg1"/>
+                <a:srgbClr val="FF0000"/>
               </a:solidFill>
               <a:latin typeface="Calibri" panose="020F0502020204030204" pitchFamily="34" charset="0"/>
               <a:cs typeface="Calibri" panose="020F0502020204030204" pitchFamily="34" charset="0"/>
@@ -18857,7 +18857,7 @@
             <a:fld id="{B61BEF0D-F0BB-DE4B-95CE-6DB70DBA9567}" type="datetimeFigureOut">
               <a:rPr lang="en-US" smtClean="0"/>
               <a:pPr/>
-              <a:t>11/3/2019</a:t>
+              <a:t>3/18/2020</a:t>
             </a:fld>
             <a:endParaRPr lang="en-US" dirty="0"/>
           </a:p>
@@ -19056,7 +19056,7 @@
           <a:p>
             <a:fld id="{55C6B4A9-1611-4792-9094-5F34BCA07E0B}" type="datetimeFigureOut">
               <a:rPr lang="en-US" smtClean="0"/>
-              <a:t>11/3/2019</a:t>
+              <a:t>3/18/2020</a:t>
             </a:fld>
             <a:endParaRPr lang="en-US" dirty="0"/>
           </a:p>
@@ -19265,7 +19265,7 @@
             <a:fld id="{B61BEF0D-F0BB-DE4B-95CE-6DB70DBA9567}" type="datetimeFigureOut">
               <a:rPr lang="en-US" smtClean="0"/>
               <a:pPr/>
-              <a:t>11/3/2019</a:t>
+              <a:t>3/18/2020</a:t>
             </a:fld>
             <a:endParaRPr lang="en-US" dirty="0"/>
           </a:p>
@@ -20085,7 +20085,7 @@
             <a:fld id="{B61BEF0D-F0BB-DE4B-95CE-6DB70DBA9567}" type="datetimeFigureOut">
               <a:rPr lang="en-US" smtClean="0"/>
               <a:pPr/>
-              <a:t>11/3/2019</a:t>
+              <a:t>3/18/2020</a:t>
             </a:fld>
             <a:endParaRPr lang="en-US" dirty="0"/>
           </a:p>
@@ -20257,7 +20257,7 @@
             <a:fld id="{B61BEF0D-F0BB-DE4B-95CE-6DB70DBA9567}" type="datetimeFigureOut">
               <a:rPr lang="en-US" smtClean="0"/>
               <a:pPr/>
-              <a:t>11/3/2019</a:t>
+              <a:t>3/18/2020</a:t>
             </a:fld>
             <a:endParaRPr lang="en-US" dirty="0"/>
           </a:p>
@@ -20506,7 +20506,7 @@
             <a:fld id="{B61BEF0D-F0BB-DE4B-95CE-6DB70DBA9567}" type="datetimeFigureOut">
               <a:rPr lang="en-US" smtClean="0"/>
               <a:pPr/>
-              <a:t>11/3/2019</a:t>
+              <a:t>3/18/2020</a:t>
             </a:fld>
             <a:endParaRPr lang="en-US" dirty="0"/>
           </a:p>
@@ -20739,7 +20739,7 @@
           <a:p>
             <a:fld id="{EB712588-04B1-427B-82EE-E8DB90309F08}" type="datetimeFigureOut">
               <a:rPr lang="en-US" smtClean="0"/>
-              <a:t>11/3/2019</a:t>
+              <a:t>3/18/2020</a:t>
             </a:fld>
             <a:endParaRPr lang="en-US" dirty="0"/>
           </a:p>
@@ -21114,7 +21114,7 @@
             <a:fld id="{B61BEF0D-F0BB-DE4B-95CE-6DB70DBA9567}" type="datetimeFigureOut">
               <a:rPr lang="en-US" smtClean="0"/>
               <a:pPr/>
-              <a:t>11/3/2019</a:t>
+              <a:t>3/18/2020</a:t>
             </a:fld>
             <a:endParaRPr lang="en-US" dirty="0"/>
           </a:p>
@@ -21239,7 +21239,7 @@
             <a:fld id="{B61BEF0D-F0BB-DE4B-95CE-6DB70DBA9567}" type="datetimeFigureOut">
               <a:rPr lang="en-US" smtClean="0"/>
               <a:pPr/>
-              <a:t>11/3/2019</a:t>
+              <a:t>3/18/2020</a:t>
             </a:fld>
             <a:endParaRPr lang="en-US" dirty="0"/>
           </a:p>
@@ -21336,7 +21336,7 @@
             <a:fld id="{B61BEF0D-F0BB-DE4B-95CE-6DB70DBA9567}" type="datetimeFigureOut">
               <a:rPr lang="en-US" smtClean="0"/>
               <a:pPr/>
-              <a:t>11/3/2019</a:t>
+              <a:t>3/18/2020</a:t>
             </a:fld>
             <a:endParaRPr lang="en-US" dirty="0"/>
           </a:p>
@@ -21592,7 +21592,7 @@
           <a:p>
             <a:fld id="{42A54C80-263E-416B-A8E0-580EDEADCBDC}" type="datetimeFigureOut">
               <a:rPr lang="en-US" smtClean="0"/>
-              <a:t>11/3/2019</a:t>
+              <a:t>3/18/2020</a:t>
             </a:fld>
             <a:endParaRPr lang="en-US" dirty="0"/>
           </a:p>
@@ -21779,7 +21779,7 @@
             <a:fld id="{B61BEF0D-F0BB-DE4B-95CE-6DB70DBA9567}" type="datetimeFigureOut">
               <a:rPr lang="en-US" smtClean="0"/>
               <a:pPr/>
-              <a:t>11/3/2019</a:t>
+              <a:t>3/18/2020</a:t>
             </a:fld>
             <a:endParaRPr lang="en-US" dirty="0"/>
           </a:p>
@@ -22099,7 +22099,7 @@
             <a:fld id="{B61BEF0D-F0BB-DE4B-95CE-6DB70DBA9567}" type="datetimeFigureOut">
               <a:rPr lang="en-US" smtClean="0"/>
               <a:pPr/>
-              <a:t>11/3/2019</a:t>
+              <a:t>3/18/2020</a:t>
             </a:fld>
             <a:endParaRPr lang="en-US" dirty="0"/>
           </a:p>
@@ -22309,7 +22309,7 @@
             <a:fld id="{B61BEF0D-F0BB-DE4B-95CE-6DB70DBA9567}" type="datetimeFigureOut">
               <a:rPr lang="en-US" smtClean="0"/>
               <a:pPr/>
-              <a:t>11/3/2019</a:t>
+              <a:t>3/18/2020</a:t>
             </a:fld>
             <a:endParaRPr lang="en-US" dirty="0"/>
           </a:p>
@@ -22625,7 +22625,7 @@
             <a:fld id="{B61BEF0D-F0BB-DE4B-95CE-6DB70DBA9567}" type="datetimeFigureOut">
               <a:rPr lang="en-US" smtClean="0"/>
               <a:pPr/>
-              <a:t>11/3/2019</a:t>
+              <a:t>3/18/2020</a:t>
             </a:fld>
             <a:endParaRPr lang="en-US" dirty="0"/>
           </a:p>
@@ -22960,7 +22960,7 @@
             <a:fld id="{B61BEF0D-F0BB-DE4B-95CE-6DB70DBA9567}" type="datetimeFigureOut">
               <a:rPr lang="en-US" smtClean="0"/>
               <a:pPr/>
-              <a:t>11/3/2019</a:t>
+              <a:t>3/18/2020</a:t>
             </a:fld>
             <a:endParaRPr lang="en-US" dirty="0"/>
           </a:p>
@@ -23276,7 +23276,7 @@
             <a:fld id="{B61BEF0D-F0BB-DE4B-95CE-6DB70DBA9567}" type="datetimeFigureOut">
               <a:rPr lang="en-US" smtClean="0"/>
               <a:pPr/>
-              <a:t>11/3/2019</a:t>
+              <a:t>3/18/2020</a:t>
             </a:fld>
             <a:endParaRPr lang="en-US" dirty="0"/>
           </a:p>
@@ -23671,7 +23671,7 @@
             <a:fld id="{B61BEF0D-F0BB-DE4B-95CE-6DB70DBA9567}" type="datetimeFigureOut">
               <a:rPr lang="en-US" smtClean="0"/>
               <a:pPr/>
-              <a:t>11/3/2019</a:t>
+              <a:t>3/18/2020</a:t>
             </a:fld>
             <a:endParaRPr lang="en-US" dirty="0"/>
           </a:p>
@@ -23842,7 +23842,7 @@
           <a:p>
             <a:fld id="{55C6B4A9-1611-4792-9094-5F34BCA07E0B}" type="datetimeFigureOut">
               <a:rPr lang="en-US" smtClean="0"/>
-              <a:t>11/3/2019</a:t>
+              <a:t>3/18/2020</a:t>
             </a:fld>
             <a:endParaRPr lang="en-US" dirty="0"/>
           </a:p>
@@ -24023,7 +24023,7 @@
             <a:fld id="{B61BEF0D-F0BB-DE4B-95CE-6DB70DBA9567}" type="datetimeFigureOut">
               <a:rPr lang="en-US" smtClean="0"/>
               <a:pPr/>
-              <a:t>11/3/2019</a:t>
+              <a:t>3/18/2020</a:t>
             </a:fld>
             <a:endParaRPr lang="en-US" dirty="0"/>
           </a:p>
@@ -24288,7 +24288,7 @@
             <a:fld id="{B61BEF0D-F0BB-DE4B-95CE-6DB70DBA9567}" type="datetimeFigureOut">
               <a:rPr lang="en-US" smtClean="0"/>
               <a:pPr/>
-              <a:t>11/3/2019</a:t>
+              <a:t>3/18/2020</a:t>
             </a:fld>
             <a:endParaRPr lang="en-US" dirty="0"/>
           </a:p>
@@ -24554,7 +24554,7 @@
           <a:p>
             <a:fld id="{EB712588-04B1-427B-82EE-E8DB90309F08}" type="datetimeFigureOut">
               <a:rPr lang="en-US" smtClean="0"/>
-              <a:t>11/3/2019</a:t>
+              <a:t>3/18/2020</a:t>
             </a:fld>
             <a:endParaRPr lang="en-US" dirty="0"/>
           </a:p>
@@ -24967,7 +24967,7 @@
             <a:fld id="{B61BEF0D-F0BB-DE4B-95CE-6DB70DBA9567}" type="datetimeFigureOut">
               <a:rPr lang="en-US" smtClean="0"/>
               <a:pPr/>
-              <a:t>11/3/2019</a:t>
+              <a:t>3/18/2020</a:t>
             </a:fld>
             <a:endParaRPr lang="en-US" dirty="0"/>
           </a:p>
@@ -25110,7 +25110,7 @@
             <a:fld id="{B61BEF0D-F0BB-DE4B-95CE-6DB70DBA9567}" type="datetimeFigureOut">
               <a:rPr lang="en-US" smtClean="0"/>
               <a:pPr/>
-              <a:t>11/3/2019</a:t>
+              <a:t>3/18/2020</a:t>
             </a:fld>
             <a:endParaRPr lang="en-US" dirty="0"/>
           </a:p>
@@ -25225,7 +25225,7 @@
             <a:fld id="{B61BEF0D-F0BB-DE4B-95CE-6DB70DBA9567}" type="datetimeFigureOut">
               <a:rPr lang="en-US" smtClean="0"/>
               <a:pPr/>
-              <a:t>11/3/2019</a:t>
+              <a:t>3/18/2020</a:t>
             </a:fld>
             <a:endParaRPr lang="en-US" dirty="0"/>
           </a:p>
@@ -25537,7 +25537,7 @@
           <a:p>
             <a:fld id="{42A54C80-263E-416B-A8E0-580EDEADCBDC}" type="datetimeFigureOut">
               <a:rPr lang="en-US" smtClean="0"/>
-              <a:t>11/3/2019</a:t>
+              <a:t>3/18/2020</a:t>
             </a:fld>
             <a:endParaRPr lang="en-US" dirty="0"/>
           </a:p>
@@ -25826,7 +25826,7 @@
             <a:fld id="{B61BEF0D-F0BB-DE4B-95CE-6DB70DBA9567}" type="datetimeFigureOut">
               <a:rPr lang="en-US" smtClean="0"/>
               <a:pPr/>
-              <a:t>11/3/2019</a:t>
+              <a:t>3/18/2020</a:t>
             </a:fld>
             <a:endParaRPr lang="en-US" dirty="0"/>
           </a:p>
@@ -26069,7 +26069,7 @@
             <a:fld id="{B61BEF0D-F0BB-DE4B-95CE-6DB70DBA9567}" type="datetimeFigureOut">
               <a:rPr lang="en-US" smtClean="0"/>
               <a:pPr/>
-              <a:t>11/3/2019</a:t>
+              <a:t>3/18/2020</a:t>
             </a:fld>
             <a:endParaRPr lang="en-US" dirty="0"/>
           </a:p>
@@ -27154,7 +27154,7 @@
             <a:fld id="{B61BEF0D-F0BB-DE4B-95CE-6DB70DBA9567}" type="datetimeFigureOut">
               <a:rPr lang="en-US" smtClean="0"/>
               <a:pPr/>
-              <a:t>11/3/2019</a:t>
+              <a:t>3/18/2020</a:t>
             </a:fld>
             <a:endParaRPr lang="en-US" dirty="0"/>
           </a:p>
@@ -28216,7 +28216,27 @@
                 <a:latin typeface="Calibri" panose="020F0502020204030204" pitchFamily="34" charset="0"/>
                 <a:cs typeface="Calibri" panose="020F0502020204030204" pitchFamily="34" charset="0"/>
               </a:rPr>
-              <a:t>Podemos obtener información más sencilla sobre:</a:t>
+              <a:t>Podemos obtener información </a:t>
+            </a:r>
+            <a:r>
+              <a:rPr lang="es-ES" sz="2000" b="1" dirty="0">
+                <a:solidFill>
+                  <a:srgbClr val="FFC000"/>
+                </a:solidFill>
+                <a:latin typeface="Calibri" panose="020F0502020204030204" pitchFamily="34" charset="0"/>
+                <a:cs typeface="Calibri" panose="020F0502020204030204" pitchFamily="34" charset="0"/>
+              </a:rPr>
+              <a:t>más sencilla </a:t>
+            </a:r>
+            <a:r>
+              <a:rPr lang="es-ES" sz="2000" b="1" dirty="0">
+                <a:solidFill>
+                  <a:schemeClr val="bg1"/>
+                </a:solidFill>
+                <a:latin typeface="Calibri" panose="020F0502020204030204" pitchFamily="34" charset="0"/>
+                <a:cs typeface="Calibri" panose="020F0502020204030204" pitchFamily="34" charset="0"/>
+              </a:rPr>
+              <a:t>sobre:</a:t>
             </a:r>
           </a:p>
           <a:p>
@@ -28680,7 +28700,7 @@
             <p:ph idx="1"/>
             <p:extLst>
               <p:ext uri="{D42A27DB-BD31-4B8C-83A1-F6EECF244321}">
-                <p14:modId xmlns:p14="http://schemas.microsoft.com/office/powerpoint/2010/main" val="1417594851"/>
+                <p14:modId xmlns:p14="http://schemas.microsoft.com/office/powerpoint/2010/main" val="1428676567"/>
               </p:ext>
             </p:extLst>
           </p:nvPr>
@@ -28962,7 +28982,6 @@
               <a:srgbClr val="C0C0C0"/>
             </a:contourClr>
           </a:sp3d>
-          <a:extLst/>
         </p:spPr>
       </p:pic>
     </p:spTree>
@@ -29085,7 +29104,6 @@
               <a:srgbClr val="C0C0C0"/>
             </a:contourClr>
           </a:sp3d>
-          <a:extLst/>
         </p:spPr>
       </p:pic>
       <p:sp>
@@ -29290,7 +29308,6 @@
               <a:srgbClr val="C0C0C0"/>
             </a:contourClr>
           </a:sp3d>
-          <a:extLst/>
         </p:spPr>
       </p:pic>
       <p:sp>
@@ -29466,7 +29483,6 @@
               <a:srgbClr val="C0C0C0"/>
             </a:contourClr>
           </a:sp3d>
-          <a:extLst/>
         </p:spPr>
       </p:pic>
       <p:graphicFrame>
@@ -29683,7 +29699,6 @@
               <a:srgbClr val="C0C0C0"/>
             </a:contourClr>
           </a:sp3d>
-          <a:extLst/>
         </p:spPr>
       </p:pic>
       <p:graphicFrame>
